--- a/G2M_CaseStudy.pptx
+++ b/G2M_CaseStudy.pptx
@@ -264,7 +264,7 @@
           <a:p>
             <a:fld id="{C764DE79-268F-4C1A-8933-263129D2AF90}" type="datetimeFigureOut">
               <a:rPr lang="en-US" dirty="0"/>
-              <a:t>3/14/2021</a:t>
+              <a:t>3/19/2021</a:t>
             </a:fld>
             <a:endParaRPr lang="en-US"/>
           </a:p>
@@ -434,7 +434,7 @@
           <a:p>
             <a:fld id="{C764DE79-268F-4C1A-8933-263129D2AF90}" type="datetimeFigureOut">
               <a:rPr lang="en-US" dirty="0"/>
-              <a:t>3/14/2021</a:t>
+              <a:t>3/19/2021</a:t>
             </a:fld>
             <a:endParaRPr lang="en-US"/>
           </a:p>
@@ -614,7 +614,7 @@
           <a:p>
             <a:fld id="{C764DE79-268F-4C1A-8933-263129D2AF90}" type="datetimeFigureOut">
               <a:rPr lang="en-US" dirty="0"/>
-              <a:t>3/14/2021</a:t>
+              <a:t>3/19/2021</a:t>
             </a:fld>
             <a:endParaRPr lang="en-US"/>
           </a:p>
@@ -784,7 +784,7 @@
           <a:p>
             <a:fld id="{C764DE79-268F-4C1A-8933-263129D2AF90}" type="datetimeFigureOut">
               <a:rPr lang="en-US" dirty="0"/>
-              <a:t>3/14/2021</a:t>
+              <a:t>3/19/2021</a:t>
             </a:fld>
             <a:endParaRPr lang="en-US"/>
           </a:p>
@@ -1030,7 +1030,7 @@
           <a:p>
             <a:fld id="{C764DE79-268F-4C1A-8933-263129D2AF90}" type="datetimeFigureOut">
               <a:rPr lang="en-US" dirty="0"/>
-              <a:t>3/14/2021</a:t>
+              <a:t>3/19/2021</a:t>
             </a:fld>
             <a:endParaRPr lang="en-US"/>
           </a:p>
@@ -1262,7 +1262,7 @@
           <a:p>
             <a:fld id="{C764DE79-268F-4C1A-8933-263129D2AF90}" type="datetimeFigureOut">
               <a:rPr lang="en-US" dirty="0"/>
-              <a:t>3/14/2021</a:t>
+              <a:t>3/19/2021</a:t>
             </a:fld>
             <a:endParaRPr lang="en-US"/>
           </a:p>
@@ -1629,7 +1629,7 @@
           <a:p>
             <a:fld id="{C764DE79-268F-4C1A-8933-263129D2AF90}" type="datetimeFigureOut">
               <a:rPr lang="en-US" dirty="0"/>
-              <a:t>3/14/2021</a:t>
+              <a:t>3/19/2021</a:t>
             </a:fld>
             <a:endParaRPr lang="en-US"/>
           </a:p>
@@ -1747,7 +1747,7 @@
           <a:p>
             <a:fld id="{C764DE79-268F-4C1A-8933-263129D2AF90}" type="datetimeFigureOut">
               <a:rPr lang="en-US" dirty="0"/>
-              <a:t>3/14/2021</a:t>
+              <a:t>3/19/2021</a:t>
             </a:fld>
             <a:endParaRPr lang="en-US"/>
           </a:p>
@@ -1842,7 +1842,7 @@
           <a:p>
             <a:fld id="{C764DE79-268F-4C1A-8933-263129D2AF90}" type="datetimeFigureOut">
               <a:rPr lang="en-US" dirty="0"/>
-              <a:t>3/14/2021</a:t>
+              <a:t>3/19/2021</a:t>
             </a:fld>
             <a:endParaRPr lang="en-US"/>
           </a:p>
@@ -2119,7 +2119,7 @@
           <a:p>
             <a:fld id="{C764DE79-268F-4C1A-8933-263129D2AF90}" type="datetimeFigureOut">
               <a:rPr lang="en-US" dirty="0"/>
-              <a:t>3/14/2021</a:t>
+              <a:t>3/19/2021</a:t>
             </a:fld>
             <a:endParaRPr lang="en-US"/>
           </a:p>
@@ -2376,7 +2376,7 @@
           <a:p>
             <a:fld id="{C764DE79-268F-4C1A-8933-263129D2AF90}" type="datetimeFigureOut">
               <a:rPr lang="en-US" dirty="0"/>
-              <a:t>3/14/2021</a:t>
+              <a:t>3/19/2021</a:t>
             </a:fld>
             <a:endParaRPr lang="en-US"/>
           </a:p>
@@ -2589,7 +2589,7 @@
           <a:p>
             <a:fld id="{C764DE79-268F-4C1A-8933-263129D2AF90}" type="datetimeFigureOut">
               <a:rPr lang="en-US" dirty="0"/>
-              <a:t>3/14/2021</a:t>
+              <a:t>3/19/2021</a:t>
             </a:fld>
             <a:endParaRPr lang="en-US"/>
           </a:p>
@@ -3007,7 +3007,7 @@
           <p:cNvPr id="6" name="Picture 5">
             <a:extLst>
               <a:ext uri="{FF2B5EF4-FFF2-40B4-BE49-F238E27FC236}">
-                <a16:creationId xmlns:a16="http://schemas.microsoft.com/office/drawing/2014/main" xmlns="" id="{841DC996-1A4B-4D4F-A733-3A00E5ABC2BB}"/>
+                <a16:creationId xmlns="" xmlns:a16="http://schemas.microsoft.com/office/drawing/2014/main" id="{841DC996-1A4B-4D4F-A733-3A00E5ABC2BB}"/>
               </a:ext>
             </a:extLst>
           </p:cNvPr>
@@ -3043,7 +3043,7 @@
           <p:cNvPr id="11" name="TextBox 10">
             <a:extLst>
               <a:ext uri="{FF2B5EF4-FFF2-40B4-BE49-F238E27FC236}">
-                <a16:creationId xmlns:a16="http://schemas.microsoft.com/office/drawing/2014/main" xmlns="" id="{00CC22B5-8500-2C45-91DE-A596A6DF1C3B}"/>
+                <a16:creationId xmlns="" xmlns:a16="http://schemas.microsoft.com/office/drawing/2014/main" id="{00CC22B5-8500-2C45-91DE-A596A6DF1C3B}"/>
               </a:ext>
             </a:extLst>
           </p:cNvPr>
@@ -3097,7 +3097,7 @@
             </a:r>
             <a:r>
               <a:rPr lang="tr-TR" sz="2800" dirty="0" smtClean="0"/>
-              <a:t>XYZ</a:t>
+              <a:t>Buse Küçükçoban</a:t>
             </a:r>
             <a:r>
               <a:rPr lang="en-US" sz="2800" dirty="0"/>
@@ -3132,10 +3132,6 @@
             <a:r>
               <a:rPr lang="en-US" sz="2800" dirty="0"/>
               <a:t>Team: Data and Analytics</a:t>
-            </a:r>
-            <a:r>
-              <a:rPr lang="en-US" sz="2800" dirty="0"/>
-              <a:t/>
             </a:r>
             <a:br>
               <a:rPr lang="en-US" sz="2800" dirty="0"/>
@@ -3195,7 +3191,7 @@
           <p:cNvPr id="2" name="Title 1">
             <a:extLst>
               <a:ext uri="{FF2B5EF4-FFF2-40B4-BE49-F238E27FC236}">
-                <a16:creationId xmlns:a16="http://schemas.microsoft.com/office/drawing/2014/main" xmlns="" id="{E8B8F26E-9345-4747-9094-972E38700A17}"/>
+                <a16:creationId xmlns="" xmlns:a16="http://schemas.microsoft.com/office/drawing/2014/main" id="{E8B8F26E-9345-4747-9094-972E38700A17}"/>
               </a:ext>
             </a:extLst>
           </p:cNvPr>
@@ -3243,7 +3239,7 @@
           <p:cNvPr id="4" name="Picture 3">
             <a:extLst>
               <a:ext uri="{FF2B5EF4-FFF2-40B4-BE49-F238E27FC236}">
-                <a16:creationId xmlns:a16="http://schemas.microsoft.com/office/drawing/2014/main" xmlns="" id="{7A465064-0714-5743-882B-8875105A7023}"/>
+                <a16:creationId xmlns="" xmlns:a16="http://schemas.microsoft.com/office/drawing/2014/main" id="{7A465064-0714-5743-882B-8875105A7023}"/>
               </a:ext>
             </a:extLst>
           </p:cNvPr>
@@ -3752,7 +3748,7 @@
           <p:cNvPr id="2" name="Title 1">
             <a:extLst>
               <a:ext uri="{FF2B5EF4-FFF2-40B4-BE49-F238E27FC236}">
-                <a16:creationId xmlns:a16="http://schemas.microsoft.com/office/drawing/2014/main" xmlns="" id="{E8B8F26E-9345-4747-9094-972E38700A17}"/>
+                <a16:creationId xmlns="" xmlns:a16="http://schemas.microsoft.com/office/drawing/2014/main" id="{E8B8F26E-9345-4747-9094-972E38700A17}"/>
               </a:ext>
             </a:extLst>
           </p:cNvPr>
@@ -3816,7 +3812,7 @@
           <p:cNvPr id="4" name="Picture 3">
             <a:extLst>
               <a:ext uri="{FF2B5EF4-FFF2-40B4-BE49-F238E27FC236}">
-                <a16:creationId xmlns:a16="http://schemas.microsoft.com/office/drawing/2014/main" xmlns="" id="{7A465064-0714-5743-882B-8875105A7023}"/>
+                <a16:creationId xmlns="" xmlns:a16="http://schemas.microsoft.com/office/drawing/2014/main" id="{7A465064-0714-5743-882B-8875105A7023}"/>
               </a:ext>
             </a:extLst>
           </p:cNvPr>
@@ -4222,7 +4218,7 @@
           <p:cNvPr id="2" name="Title 1">
             <a:extLst>
               <a:ext uri="{FF2B5EF4-FFF2-40B4-BE49-F238E27FC236}">
-                <a16:creationId xmlns:a16="http://schemas.microsoft.com/office/drawing/2014/main" xmlns="" id="{E8B8F26E-9345-4747-9094-972E38700A17}"/>
+                <a16:creationId xmlns="" xmlns:a16="http://schemas.microsoft.com/office/drawing/2014/main" id="{E8B8F26E-9345-4747-9094-972E38700A17}"/>
               </a:ext>
             </a:extLst>
           </p:cNvPr>
@@ -4286,7 +4282,7 @@
           <p:cNvPr id="4" name="Picture 3">
             <a:extLst>
               <a:ext uri="{FF2B5EF4-FFF2-40B4-BE49-F238E27FC236}">
-                <a16:creationId xmlns:a16="http://schemas.microsoft.com/office/drawing/2014/main" xmlns="" id="{7A465064-0714-5743-882B-8875105A7023}"/>
+                <a16:creationId xmlns="" xmlns:a16="http://schemas.microsoft.com/office/drawing/2014/main" id="{7A465064-0714-5743-882B-8875105A7023}"/>
               </a:ext>
             </a:extLst>
           </p:cNvPr>
@@ -4860,7 +4856,7 @@
           <p:cNvPr id="9" name="TextBox 8">
             <a:extLst>
               <a:ext uri="{FF2B5EF4-FFF2-40B4-BE49-F238E27FC236}">
-                <a16:creationId xmlns:a16="http://schemas.microsoft.com/office/drawing/2014/main" xmlns="" id="{0087AA53-A2BE-554B-AAE4-C6D527006499}"/>
+                <a16:creationId xmlns="" xmlns:a16="http://schemas.microsoft.com/office/drawing/2014/main" id="{0087AA53-A2BE-554B-AAE4-C6D527006499}"/>
               </a:ext>
             </a:extLst>
           </p:cNvPr>
@@ -4870,7 +4866,7 @@
         <p:spPr>
           <a:xfrm>
             <a:off x="762000" y="1595021"/>
-            <a:ext cx="11430000" cy="3046988"/>
+            <a:ext cx="11430000" cy="3293209"/>
           </a:xfrm>
           <a:prstGeom prst="rect">
             <a:avLst/>
@@ -4982,7 +4978,7 @@
             <a:endParaRPr lang="en-US" sz="1600" dirty="0"/>
           </a:p>
           <a:p>
-            <a:endParaRPr lang="en-US" sz="1600" b="1" dirty="0"/>
+            <a:endParaRPr lang="en-US" sz="1600" b="1" dirty="0" smtClean="0"/>
           </a:p>
           <a:p>
             <a:pPr marL="285750" indent="-285750">
@@ -4990,15 +4986,11 @@
               <a:buChar char="•"/>
             </a:pPr>
             <a:r>
-              <a:rPr lang="en-US" sz="1600" b="1" dirty="0"/>
-              <a:t>Customer Reach  </a:t>
-            </a:r>
-            <a:r>
               <a:rPr lang="en-US" sz="1600" b="1" dirty="0" smtClean="0"/>
-              <a:t>:</a:t>
-            </a:r>
-            <a:r>
-              <a:rPr lang="en-US" sz="1600" dirty="0"/>
+              <a:t>Customer Reach  :</a:t>
+            </a:r>
+            <a:r>
+              <a:rPr lang="en-US" sz="1600" dirty="0" smtClean="0"/>
               <a:t>In every city, users prefer </a:t>
             </a:r>
             <a:r>
@@ -5049,7 +5041,27 @@
             </a:r>
             <a:r>
               <a:rPr lang="en-US" sz="1600" dirty="0"/>
-              <a:t>Yellow cab’s average profit per KM is almost three times the average profit per KM of the Pink cab</a:t>
+              <a:t>Yellow cab’s average </a:t>
+            </a:r>
+            <a:r>
+              <a:rPr lang="en-US" sz="1600" dirty="0" smtClean="0"/>
+              <a:t>profit</a:t>
+            </a:r>
+            <a:r>
+              <a:rPr lang="tr-TR" sz="1600" dirty="0" smtClean="0"/>
+              <a:t> </a:t>
+            </a:r>
+            <a:r>
+              <a:rPr lang="tr-TR" sz="1600" dirty="0" err="1" smtClean="0"/>
+              <a:t>for</a:t>
+            </a:r>
+            <a:r>
+              <a:rPr lang="en-US" sz="1600" dirty="0" smtClean="0"/>
+              <a:t> </a:t>
+            </a:r>
+            <a:r>
+              <a:rPr lang="en-US" sz="1600" dirty="0"/>
+              <a:t>per KM is almost three times the average profit per KM of the Pink cab</a:t>
             </a:r>
             <a:r>
               <a:rPr lang="en-US" sz="1600" dirty="0" smtClean="0"/>
@@ -5133,20 +5145,107 @@
               <a:rPr lang="en-US" sz="1600" dirty="0" smtClean="0"/>
               <a:t>.</a:t>
             </a:r>
-            <a:r>
-              <a:rPr lang="en-US" sz="1600" dirty="0"/>
-              <a:t/>
-            </a:r>
-            <a:br>
-              <a:rPr lang="en-US" sz="1600" dirty="0"/>
-            </a:br>
-            <a:endParaRPr lang="tr-TR" sz="1600" dirty="0"/>
+            <a:endParaRPr lang="tr-TR" sz="1600" dirty="0" smtClean="0"/>
           </a:p>
           <a:p>
             <a:pPr marL="285750" indent="-285750">
               <a:buFont typeface="Arial" panose="020B0604020202020204" pitchFamily="34" charset="0"/>
               <a:buChar char="•"/>
             </a:pPr>
+            <a:endParaRPr lang="tr-TR" sz="1600" dirty="0"/>
+          </a:p>
+          <a:p>
+            <a:pPr marL="285750" indent="-285750">
+              <a:buFont typeface="Arial" panose="020B0604020202020204" pitchFamily="34" charset="0"/>
+              <a:buChar char="•"/>
+            </a:pPr>
+            <a:r>
+              <a:rPr lang="tr-TR" sz="1600" b="1" dirty="0" err="1" smtClean="0"/>
+              <a:t>Preferences</a:t>
+            </a:r>
+            <a:r>
+              <a:rPr lang="tr-TR" sz="1600" b="1" dirty="0" smtClean="0"/>
+              <a:t> </a:t>
+            </a:r>
+            <a:r>
+              <a:rPr lang="tr-TR" sz="1600" b="1" dirty="0" err="1"/>
+              <a:t>according</a:t>
+            </a:r>
+            <a:r>
+              <a:rPr lang="tr-TR" sz="1600" b="1" dirty="0"/>
+              <a:t> </a:t>
+            </a:r>
+            <a:r>
+              <a:rPr lang="tr-TR" sz="1600" b="1" dirty="0" err="1"/>
+              <a:t>to</a:t>
+            </a:r>
+            <a:r>
+              <a:rPr lang="tr-TR" sz="1600" b="1" dirty="0"/>
+              <a:t> </a:t>
+            </a:r>
+            <a:r>
+              <a:rPr lang="tr-TR" sz="1600" b="1" dirty="0" err="1"/>
+              <a:t>months</a:t>
+            </a:r>
+            <a:r>
+              <a:rPr lang="tr-TR" sz="1600" dirty="0" smtClean="0"/>
+              <a:t>: </a:t>
+            </a:r>
+            <a:r>
+              <a:rPr lang="en-US" sz="1600" dirty="0"/>
+              <a:t>In all periods of the year, </a:t>
+            </a:r>
+            <a:r>
+              <a:rPr lang="tr-TR" sz="1600" dirty="0"/>
+              <a:t>Y</a:t>
+            </a:r>
+            <a:r>
+              <a:rPr lang="en-US" sz="1600" dirty="0" err="1" smtClean="0"/>
+              <a:t>ellow</a:t>
+            </a:r>
+            <a:r>
+              <a:rPr lang="tr-TR" sz="1600" dirty="0" smtClean="0"/>
+              <a:t> </a:t>
+            </a:r>
+            <a:r>
+              <a:rPr lang="tr-TR" sz="1600" dirty="0" err="1" smtClean="0"/>
+              <a:t>Cab</a:t>
+            </a:r>
+            <a:r>
+              <a:rPr lang="en-US" sz="1600" dirty="0" smtClean="0"/>
+              <a:t> </a:t>
+            </a:r>
+            <a:r>
+              <a:rPr lang="en-US" sz="1600" dirty="0"/>
+              <a:t>is preferred more than </a:t>
+            </a:r>
+            <a:r>
+              <a:rPr lang="tr-TR" sz="1600" dirty="0"/>
+              <a:t>P</a:t>
+            </a:r>
+            <a:r>
+              <a:rPr lang="en-US" sz="1600" dirty="0" smtClean="0"/>
+              <a:t>ink</a:t>
+            </a:r>
+            <a:r>
+              <a:rPr lang="tr-TR" sz="1600" dirty="0" smtClean="0"/>
+              <a:t> </a:t>
+            </a:r>
+            <a:r>
+              <a:rPr lang="tr-TR" sz="1600" dirty="0" err="1" smtClean="0"/>
+              <a:t>Cab</a:t>
+            </a:r>
+            <a:r>
+              <a:rPr lang="tr-TR" sz="1600" dirty="0" smtClean="0"/>
+              <a:t>.</a:t>
+            </a:r>
+            <a:r>
+              <a:rPr lang="en-US" sz="1600" dirty="0"/>
+              <a:t/>
+            </a:r>
+            <a:br>
+              <a:rPr lang="en-US" sz="1600" dirty="0"/>
+            </a:br>
             <a:endParaRPr lang="en-US" sz="1600" dirty="0"/>
           </a:p>
           <a:p>
@@ -5154,12 +5253,16 @@
           </a:p>
           <a:p>
             <a:r>
+              <a:rPr lang="tr-TR" sz="1600" b="1" dirty="0"/>
+              <a:t>W</a:t>
+            </a:r>
+            <a:r>
               <a:rPr lang="en-US" sz="1600" b="1" dirty="0" smtClean="0"/>
-              <a:t>On </a:t>
+              <a:t>e </a:t>
             </a:r>
             <a:r>
               <a:rPr lang="en-US" sz="1600" b="1" dirty="0"/>
-              <a:t>the basis of above point , we will recommend Yellow cab for investment.</a:t>
+              <a:t>will recommend Yellow cab for investment.</a:t>
             </a:r>
           </a:p>
           <a:p>
@@ -5172,7 +5275,7 @@
           <p:cNvPr id="4" name="Rectangle 3">
             <a:extLst>
               <a:ext uri="{FF2B5EF4-FFF2-40B4-BE49-F238E27FC236}">
-                <a16:creationId xmlns:a16="http://schemas.microsoft.com/office/drawing/2014/main" xmlns="" id="{B2BD046D-D4D3-5C48-9D68-AE42423390A9}"/>
+                <a16:creationId xmlns="" xmlns:a16="http://schemas.microsoft.com/office/drawing/2014/main" id="{B2BD046D-D4D3-5C48-9D68-AE42423390A9}"/>
               </a:ext>
             </a:extLst>
           </p:cNvPr>
@@ -5260,7 +5363,7 @@
           <p:cNvPr id="2" name="Title 1">
             <a:extLst>
               <a:ext uri="{FF2B5EF4-FFF2-40B4-BE49-F238E27FC236}">
-                <a16:creationId xmlns:a16="http://schemas.microsoft.com/office/drawing/2014/main" xmlns="" id="{E8B8F26E-9345-4747-9094-972E38700A17}"/>
+                <a16:creationId xmlns="" xmlns:a16="http://schemas.microsoft.com/office/drawing/2014/main" id="{E8B8F26E-9345-4747-9094-972E38700A17}"/>
               </a:ext>
             </a:extLst>
           </p:cNvPr>
@@ -5302,7 +5405,7 @@
           <p:cNvPr id="4" name="Picture 3">
             <a:extLst>
               <a:ext uri="{FF2B5EF4-FFF2-40B4-BE49-F238E27FC236}">
-                <a16:creationId xmlns:a16="http://schemas.microsoft.com/office/drawing/2014/main" xmlns="" id="{7A465064-0714-5743-882B-8875105A7023}"/>
+                <a16:creationId xmlns="" xmlns:a16="http://schemas.microsoft.com/office/drawing/2014/main" id="{7A465064-0714-5743-882B-8875105A7023}"/>
               </a:ext>
             </a:extLst>
           </p:cNvPr>
@@ -5338,7 +5441,7 @@
           <p:cNvPr id="6" name="Subtitle 5">
             <a:extLst>
               <a:ext uri="{FF2B5EF4-FFF2-40B4-BE49-F238E27FC236}">
-                <a16:creationId xmlns:a16="http://schemas.microsoft.com/office/drawing/2014/main" xmlns="" id="{2D4BA697-580E-5544-8F2F-194AD99B859F}"/>
+                <a16:creationId xmlns="" xmlns:a16="http://schemas.microsoft.com/office/drawing/2014/main" id="{2D4BA697-580E-5544-8F2F-194AD99B859F}"/>
               </a:ext>
             </a:extLst>
           </p:cNvPr>
@@ -5414,7 +5517,7 @@
           <p:cNvPr id="2" name="Title 1">
             <a:extLst>
               <a:ext uri="{FF2B5EF4-FFF2-40B4-BE49-F238E27FC236}">
-                <a16:creationId xmlns:a16="http://schemas.microsoft.com/office/drawing/2014/main" xmlns="" id="{E8B8F26E-9345-4747-9094-972E38700A17}"/>
+                <a16:creationId xmlns="" xmlns:a16="http://schemas.microsoft.com/office/drawing/2014/main" id="{E8B8F26E-9345-4747-9094-972E38700A17}"/>
               </a:ext>
             </a:extLst>
           </p:cNvPr>
@@ -5478,7 +5581,7 @@
           <p:cNvPr id="4" name="Picture 3">
             <a:extLst>
               <a:ext uri="{FF2B5EF4-FFF2-40B4-BE49-F238E27FC236}">
-                <a16:creationId xmlns:a16="http://schemas.microsoft.com/office/drawing/2014/main" xmlns="" id="{7A465064-0714-5743-882B-8875105A7023}"/>
+                <a16:creationId xmlns="" xmlns:a16="http://schemas.microsoft.com/office/drawing/2014/main" id="{7A465064-0714-5743-882B-8875105A7023}"/>
               </a:ext>
             </a:extLst>
           </p:cNvPr>
@@ -5613,27 +5716,58 @@
               <a:rPr lang="en-US" dirty="0"/>
               <a:t>Data Understanding </a:t>
             </a:r>
+            <a:endParaRPr lang="tr-TR" dirty="0"/>
           </a:p>
           <a:p>
             <a:pPr algn="l"/>
             <a:r>
+              <a:rPr lang="tr-TR" dirty="0" smtClean="0"/>
+              <a:t>F</a:t>
+            </a:r>
+            <a:r>
+              <a:rPr lang="en-US" dirty="0" err="1" smtClean="0"/>
+              <a:t>ind</a:t>
+            </a:r>
+            <a:r>
+              <a:rPr lang="en-US" dirty="0" smtClean="0"/>
+              <a:t> </a:t>
+            </a:r>
+            <a:r>
               <a:rPr lang="en-US" dirty="0"/>
-              <a:t>Forecasting profit and number of rides for each cab type </a:t>
-            </a:r>
-          </a:p>
-          <a:p>
-            <a:pPr algn="l"/>
+              <a:t>and analyze relationships between </a:t>
+            </a:r>
+            <a:r>
+              <a:rPr lang="tr-TR" dirty="0" err="1" smtClean="0"/>
+              <a:t>features</a:t>
+            </a:r>
             <a:r>
               <a:rPr lang="en-US" dirty="0"/>
-              <a:t>Finding the most profitable Cab company </a:t>
-            </a:r>
-          </a:p>
-          <a:p>
-            <a:pPr algn="l"/>
-            <a:r>
+              <a:t/>
+            </a:r>
+            <a:br>
               <a:rPr lang="en-US" dirty="0"/>
-              <a:t>Recommendations for investment</a:t>
-            </a:r>
+            </a:br>
+            <a:r>
+              <a:rPr lang="en-US" dirty="0" smtClean="0"/>
+              <a:t>Recommendations </a:t>
+            </a:r>
+            <a:r>
+              <a:rPr lang="en-US" dirty="0"/>
+              <a:t>for </a:t>
+            </a:r>
+            <a:r>
+              <a:rPr lang="tr-TR" dirty="0" err="1" smtClean="0"/>
+              <a:t>cab</a:t>
+            </a:r>
+            <a:r>
+              <a:rPr lang="tr-TR" dirty="0" smtClean="0"/>
+              <a:t> </a:t>
+            </a:r>
+            <a:r>
+              <a:rPr lang="en-US" dirty="0" smtClean="0"/>
+              <a:t>investment</a:t>
+            </a:r>
+            <a:endParaRPr lang="en-US" dirty="0"/>
           </a:p>
           <a:p>
             <a:pPr marL="342900" indent="-342900" algn="l">
@@ -5679,7 +5813,7 @@
           <p:cNvPr id="2" name="Title 1">
             <a:extLst>
               <a:ext uri="{FF2B5EF4-FFF2-40B4-BE49-F238E27FC236}">
-                <a16:creationId xmlns:a16="http://schemas.microsoft.com/office/drawing/2014/main" xmlns="" id="{E8B8F26E-9345-4747-9094-972E38700A17}"/>
+                <a16:creationId xmlns="" xmlns:a16="http://schemas.microsoft.com/office/drawing/2014/main" id="{E8B8F26E-9345-4747-9094-972E38700A17}"/>
               </a:ext>
             </a:extLst>
           </p:cNvPr>
@@ -5727,7 +5861,7 @@
           <p:cNvPr id="4" name="Picture 3">
             <a:extLst>
               <a:ext uri="{FF2B5EF4-FFF2-40B4-BE49-F238E27FC236}">
-                <a16:creationId xmlns:a16="http://schemas.microsoft.com/office/drawing/2014/main" xmlns="" id="{7A465064-0714-5743-882B-8875105A7023}"/>
+                <a16:creationId xmlns="" xmlns:a16="http://schemas.microsoft.com/office/drawing/2014/main" id="{7A465064-0714-5743-882B-8875105A7023}"/>
               </a:ext>
             </a:extLst>
           </p:cNvPr>
@@ -5836,11 +5970,7 @@
             </a:r>
             <a:r>
               <a:rPr lang="tr-TR" dirty="0"/>
-              <a:t> </a:t>
-            </a:r>
-            <a:r>
-              <a:rPr lang="tr-TR" dirty="0"/>
-              <a:t>+ </a:t>
+              <a:t> + </a:t>
             </a:r>
             <a:r>
               <a:rPr lang="tr-TR" dirty="0">
@@ -5894,20 +6024,16 @@
           <a:p>
             <a:pPr algn="l"/>
             <a:r>
-              <a:rPr lang="en-US" dirty="0"/>
+              <a:rPr lang="en-US" dirty="0" smtClean="0"/>
               <a:t>Outliers are present in </a:t>
             </a:r>
             <a:r>
-              <a:rPr lang="en-US" dirty="0" err="1"/>
+              <a:rPr lang="en-US" dirty="0" err="1" smtClean="0"/>
               <a:t>Price_Charged</a:t>
             </a:r>
             <a:r>
-              <a:rPr lang="en-US" dirty="0"/>
-              <a:t> feature but due </a:t>
-            </a:r>
-            <a:r>
               <a:rPr lang="en-US" dirty="0" smtClean="0"/>
-              <a:t>t</a:t>
+              <a:t> feature but due t</a:t>
             </a:r>
             <a:r>
               <a:rPr lang="tr-TR" dirty="0" smtClean="0"/>
@@ -5915,15 +6041,51 @@
             </a:r>
             <a:r>
               <a:rPr lang="en-US" dirty="0" smtClean="0"/>
-              <a:t>  </a:t>
+              <a:t>  unavailability of trip duration details ,we </a:t>
+            </a:r>
+            <a:r>
+              <a:rPr lang="en-US" dirty="0" err="1" smtClean="0"/>
+              <a:t>we</a:t>
+            </a:r>
+            <a:r>
+              <a:rPr lang="en-US" dirty="0" smtClean="0"/>
+              <a:t> </a:t>
             </a:r>
             <a:r>
               <a:rPr lang="en-US" dirty="0"/>
-              <a:t>unavailability of trip duration details ,we are not treating this as outlier.</a:t>
-            </a:r>
-          </a:p>
-          <a:p>
-            <a:pPr algn="l"/>
+              <a:t>did not </a:t>
+            </a:r>
+            <a:r>
+              <a:rPr lang="tr-TR" dirty="0" err="1" smtClean="0"/>
+              <a:t>treat</a:t>
+            </a:r>
+            <a:r>
+              <a:rPr lang="tr-TR" dirty="0" smtClean="0"/>
+              <a:t> </a:t>
+            </a:r>
+            <a:r>
+              <a:rPr lang="en-US" dirty="0" smtClean="0"/>
+              <a:t>any value</a:t>
+            </a:r>
+            <a:r>
+              <a:rPr lang="tr-TR" dirty="0" smtClean="0"/>
+              <a:t> as </a:t>
+            </a:r>
+            <a:r>
+              <a:rPr lang="tr-TR" dirty="0" err="1" smtClean="0"/>
+              <a:t>outlier</a:t>
+            </a:r>
+            <a:r>
+              <a:rPr lang="tr-TR" dirty="0" smtClean="0"/>
+              <a:t>.</a:t>
+            </a:r>
+            <a:r>
+              <a:rPr lang="en-US" dirty="0"/>
+              <a:t/>
+            </a:r>
+            <a:br>
+              <a:rPr lang="en-US" dirty="0"/>
+            </a:br>
             <a:endParaRPr lang="en-US" dirty="0"/>
           </a:p>
           <a:p>
@@ -5998,8 +6160,64 @@
             </a:r>
             <a:r>
               <a:rPr lang="en-US" dirty="0" smtClean="0"/>
-              <a:t>Trip features</a:t>
-            </a:r>
+              <a:t>Trip </a:t>
+            </a:r>
+            <a:r>
+              <a:rPr lang="en-US" dirty="0" smtClean="0"/>
+              <a:t>features</a:t>
+            </a:r>
+            <a:r>
+              <a:rPr lang="tr-TR" dirty="0"/>
+              <a:t> </a:t>
+            </a:r>
+            <a:r>
+              <a:rPr lang="tr-TR" dirty="0" err="1" smtClean="0"/>
+              <a:t>and</a:t>
+            </a:r>
+            <a:r>
+              <a:rPr lang="tr-TR" dirty="0" smtClean="0"/>
+              <a:t> </a:t>
+            </a:r>
+            <a:r>
+              <a:rPr lang="tr-TR" dirty="0" err="1" smtClean="0"/>
+              <a:t>evaluate</a:t>
+            </a:r>
+            <a:r>
+              <a:rPr lang="tr-TR" dirty="0" smtClean="0"/>
+              <a:t> </a:t>
+            </a:r>
+            <a:r>
+              <a:rPr lang="tr-TR" dirty="0" err="1" smtClean="0"/>
+              <a:t>profit</a:t>
+            </a:r>
+            <a:r>
+              <a:rPr lang="tr-TR" dirty="0" smtClean="0"/>
+              <a:t> </a:t>
+            </a:r>
+            <a:r>
+              <a:rPr lang="tr-TR" dirty="0" err="1" smtClean="0"/>
+              <a:t>for</a:t>
+            </a:r>
+            <a:r>
+              <a:rPr lang="tr-TR" dirty="0" smtClean="0"/>
+              <a:t> </a:t>
+            </a:r>
+            <a:r>
+              <a:rPr lang="tr-TR" dirty="0" err="1" smtClean="0"/>
+              <a:t>per</a:t>
+            </a:r>
+            <a:r>
+              <a:rPr lang="tr-TR" dirty="0" smtClean="0"/>
+              <a:t> KM.</a:t>
+            </a:r>
+            <a:endParaRPr lang="tr-TR" dirty="0" smtClean="0"/>
+          </a:p>
+          <a:p>
+            <a:pPr algn="l"/>
+            <a:endParaRPr lang="tr-TR" dirty="0"/>
+          </a:p>
+          <a:p>
+            <a:pPr algn="l"/>
             <a:endParaRPr lang="en-US" dirty="0"/>
           </a:p>
           <a:p>
@@ -6047,7 +6265,7 @@
           <p:cNvPr id="2" name="Title 1">
             <a:extLst>
               <a:ext uri="{FF2B5EF4-FFF2-40B4-BE49-F238E27FC236}">
-                <a16:creationId xmlns:a16="http://schemas.microsoft.com/office/drawing/2014/main" xmlns="" id="{E8B8F26E-9345-4747-9094-972E38700A17}"/>
+                <a16:creationId xmlns="" xmlns:a16="http://schemas.microsoft.com/office/drawing/2014/main" id="{E8B8F26E-9345-4747-9094-972E38700A17}"/>
               </a:ext>
             </a:extLst>
           </p:cNvPr>
@@ -6102,7 +6320,7 @@
           <p:cNvPr id="4" name="Picture 3">
             <a:extLst>
               <a:ext uri="{FF2B5EF4-FFF2-40B4-BE49-F238E27FC236}">
-                <a16:creationId xmlns:a16="http://schemas.microsoft.com/office/drawing/2014/main" xmlns="" id="{7A465064-0714-5743-882B-8875105A7023}"/>
+                <a16:creationId xmlns="" xmlns:a16="http://schemas.microsoft.com/office/drawing/2014/main" id="{7A465064-0714-5743-882B-8875105A7023}"/>
               </a:ext>
             </a:extLst>
           </p:cNvPr>
@@ -6319,7 +6537,7 @@
           <p:cNvPr id="2" name="Title 1">
             <a:extLst>
               <a:ext uri="{FF2B5EF4-FFF2-40B4-BE49-F238E27FC236}">
-                <a16:creationId xmlns:a16="http://schemas.microsoft.com/office/drawing/2014/main" xmlns="" id="{E8B8F26E-9345-4747-9094-972E38700A17}"/>
+                <a16:creationId xmlns="" xmlns:a16="http://schemas.microsoft.com/office/drawing/2014/main" id="{E8B8F26E-9345-4747-9094-972E38700A17}"/>
               </a:ext>
             </a:extLst>
           </p:cNvPr>
@@ -6399,7 +6617,7 @@
           <p:cNvPr id="4" name="Picture 3">
             <a:extLst>
               <a:ext uri="{FF2B5EF4-FFF2-40B4-BE49-F238E27FC236}">
-                <a16:creationId xmlns:a16="http://schemas.microsoft.com/office/drawing/2014/main" xmlns="" id="{7A465064-0714-5743-882B-8875105A7023}"/>
+                <a16:creationId xmlns="" xmlns:a16="http://schemas.microsoft.com/office/drawing/2014/main" id="{7A465064-0714-5743-882B-8875105A7023}"/>
               </a:ext>
             </a:extLst>
           </p:cNvPr>
@@ -6618,7 +6836,7 @@
           <p:cNvPr id="2" name="Title 1">
             <a:extLst>
               <a:ext uri="{FF2B5EF4-FFF2-40B4-BE49-F238E27FC236}">
-                <a16:creationId xmlns:a16="http://schemas.microsoft.com/office/drawing/2014/main" xmlns="" id="{E8B8F26E-9345-4747-9094-972E38700A17}"/>
+                <a16:creationId xmlns="" xmlns:a16="http://schemas.microsoft.com/office/drawing/2014/main" id="{E8B8F26E-9345-4747-9094-972E38700A17}"/>
               </a:ext>
             </a:extLst>
           </p:cNvPr>
@@ -6714,7 +6932,7 @@
           <p:cNvPr id="4" name="Picture 3">
             <a:extLst>
               <a:ext uri="{FF2B5EF4-FFF2-40B4-BE49-F238E27FC236}">
-                <a16:creationId xmlns:a16="http://schemas.microsoft.com/office/drawing/2014/main" xmlns="" id="{7A465064-0714-5743-882B-8875105A7023}"/>
+                <a16:creationId xmlns="" xmlns:a16="http://schemas.microsoft.com/office/drawing/2014/main" id="{7A465064-0714-5743-882B-8875105A7023}"/>
               </a:ext>
             </a:extLst>
           </p:cNvPr>
@@ -6804,7 +7022,7 @@
           <p:cNvPr id="2" name="Title 1">
             <a:extLst>
               <a:ext uri="{FF2B5EF4-FFF2-40B4-BE49-F238E27FC236}">
-                <a16:creationId xmlns:a16="http://schemas.microsoft.com/office/drawing/2014/main" xmlns="" id="{E8B8F26E-9345-4747-9094-972E38700A17}"/>
+                <a16:creationId xmlns="" xmlns:a16="http://schemas.microsoft.com/office/drawing/2014/main" id="{E8B8F26E-9345-4747-9094-972E38700A17}"/>
               </a:ext>
             </a:extLst>
           </p:cNvPr>
@@ -6884,7 +7102,7 @@
           <p:cNvPr id="4" name="Picture 3">
             <a:extLst>
               <a:ext uri="{FF2B5EF4-FFF2-40B4-BE49-F238E27FC236}">
-                <a16:creationId xmlns:a16="http://schemas.microsoft.com/office/drawing/2014/main" xmlns="" id="{7A465064-0714-5743-882B-8875105A7023}"/>
+                <a16:creationId xmlns="" xmlns:a16="http://schemas.microsoft.com/office/drawing/2014/main" id="{7A465064-0714-5743-882B-8875105A7023}"/>
               </a:ext>
             </a:extLst>
           </p:cNvPr>
@@ -6974,7 +7192,7 @@
           <p:cNvPr id="2" name="Title 1">
             <a:extLst>
               <a:ext uri="{FF2B5EF4-FFF2-40B4-BE49-F238E27FC236}">
-                <a16:creationId xmlns:a16="http://schemas.microsoft.com/office/drawing/2014/main" xmlns="" id="{E8B8F26E-9345-4747-9094-972E38700A17}"/>
+                <a16:creationId xmlns="" xmlns:a16="http://schemas.microsoft.com/office/drawing/2014/main" id="{E8B8F26E-9345-4747-9094-972E38700A17}"/>
               </a:ext>
             </a:extLst>
           </p:cNvPr>
@@ -7022,7 +7240,7 @@
           <p:cNvPr id="4" name="Picture 3">
             <a:extLst>
               <a:ext uri="{FF2B5EF4-FFF2-40B4-BE49-F238E27FC236}">
-                <a16:creationId xmlns:a16="http://schemas.microsoft.com/office/drawing/2014/main" xmlns="" id="{7A465064-0714-5743-882B-8875105A7023}"/>
+                <a16:creationId xmlns="" xmlns:a16="http://schemas.microsoft.com/office/drawing/2014/main" id="{7A465064-0714-5743-882B-8875105A7023}"/>
               </a:ext>
             </a:extLst>
           </p:cNvPr>
@@ -7112,7 +7330,7 @@
           <p:cNvPr id="2" name="Title 1">
             <a:extLst>
               <a:ext uri="{FF2B5EF4-FFF2-40B4-BE49-F238E27FC236}">
-                <a16:creationId xmlns:a16="http://schemas.microsoft.com/office/drawing/2014/main" xmlns="" id="{E8B8F26E-9345-4747-9094-972E38700A17}"/>
+                <a16:creationId xmlns="" xmlns:a16="http://schemas.microsoft.com/office/drawing/2014/main" id="{E8B8F26E-9345-4747-9094-972E38700A17}"/>
               </a:ext>
             </a:extLst>
           </p:cNvPr>
@@ -7168,7 +7386,7 @@
           <p:cNvPr id="4" name="Picture 3">
             <a:extLst>
               <a:ext uri="{FF2B5EF4-FFF2-40B4-BE49-F238E27FC236}">
-                <a16:creationId xmlns:a16="http://schemas.microsoft.com/office/drawing/2014/main" xmlns="" id="{7A465064-0714-5743-882B-8875105A7023}"/>
+                <a16:creationId xmlns="" xmlns:a16="http://schemas.microsoft.com/office/drawing/2014/main" id="{7A465064-0714-5743-882B-8875105A7023}"/>
               </a:ext>
             </a:extLst>
           </p:cNvPr>
